--- a/Documents/TaskManagementPresentation.pptx
+++ b/Documents/TaskManagementPresentation.pptx
@@ -14352,7 +14352,7 @@
     <mc:Choice Requires="p14">
       <p:transition spd="slow" p14:dur="2000"/>
     </mc:Choice>
-    <mc:Fallback xmlns="" xmlns:p15="http://schemas.microsoft.com/office/powerpoint/2012/main">
+    <mc:Fallback xmlns:p15="http://schemas.microsoft.com/office/powerpoint/2012/main" xmlns="">
       <p:transition spd="slow"/>
     </mc:Fallback>
   </mc:AlternateContent>
@@ -14400,7 +14400,7 @@
     <mc:Choice Requires="p14">
       <p:transition spd="slow" p14:dur="2000"/>
     </mc:Choice>
-    <mc:Fallback xmlns="" xmlns:p15="http://schemas.microsoft.com/office/powerpoint/2012/main">
+    <mc:Fallback xmlns:p15="http://schemas.microsoft.com/office/powerpoint/2012/main" xmlns="">
       <p:transition spd="slow"/>
     </mc:Fallback>
   </mc:AlternateContent>
@@ -15178,7 +15178,7 @@
     <mc:Choice Requires="p14">
       <p:transition spd="slow" p14:dur="2000"/>
     </mc:Choice>
-    <mc:Fallback xmlns="" xmlns:p15="http://schemas.microsoft.com/office/powerpoint/2012/main">
+    <mc:Fallback xmlns:p15="http://schemas.microsoft.com/office/powerpoint/2012/main" xmlns="">
       <p:transition spd="slow"/>
     </mc:Fallback>
   </mc:AlternateContent>
@@ -15289,7 +15289,7 @@
                 <a:latin typeface="MV Boli"/>
                 <a:ea typeface="Overpass Mono"/>
               </a:rPr>
-              <a:t>Overview</a:t>
+              <a:t>01 Overview</a:t>
             </a:r>
             <a:endParaRPr lang="en-US" sz="3200" b="0" strike="noStrike" spc="-1" dirty="0">
               <a:solidFill>
@@ -15364,7 +15364,7 @@
     <mc:Choice Requires="p14">
       <p:transition spd="slow" p14:dur="2000"/>
     </mc:Choice>
-    <mc:Fallback xmlns="" xmlns:p15="http://schemas.microsoft.com/office/powerpoint/2012/main">
+    <mc:Fallback xmlns:p15="http://schemas.microsoft.com/office/powerpoint/2012/main" xmlns="">
       <p:transition spd="slow"/>
     </mc:Fallback>
   </mc:AlternateContent>
@@ -15503,7 +15503,7 @@
     <mc:Choice Requires="p14">
       <p:transition spd="slow" p14:dur="2000"/>
     </mc:Choice>
-    <mc:Fallback xmlns="" xmlns:p15="http://schemas.microsoft.com/office/powerpoint/2012/main">
+    <mc:Fallback xmlns:p15="http://schemas.microsoft.com/office/powerpoint/2012/main" xmlns="">
       <p:transition spd="slow"/>
     </mc:Fallback>
   </mc:AlternateContent>
@@ -15836,7 +15836,7 @@
     <mc:Choice Requires="p14">
       <p:transition spd="slow" p14:dur="2000"/>
     </mc:Choice>
-    <mc:Fallback xmlns="" xmlns:p15="http://schemas.microsoft.com/office/powerpoint/2012/main">
+    <mc:Fallback xmlns:p15="http://schemas.microsoft.com/office/powerpoint/2012/main" xmlns="">
       <p:transition spd="slow"/>
     </mc:Fallback>
   </mc:AlternateContent>
@@ -15990,7 +15990,7 @@
     <mc:Choice Requires="p14">
       <p:transition spd="slow" p14:dur="2000"/>
     </mc:Choice>
-    <mc:Fallback xmlns="" xmlns:p15="http://schemas.microsoft.com/office/powerpoint/2012/main">
+    <mc:Fallback xmlns:p15="http://schemas.microsoft.com/office/powerpoint/2012/main" xmlns="">
       <p:transition spd="slow"/>
     </mc:Fallback>
   </mc:AlternateContent>
@@ -16061,8 +16061,8 @@
         </p:nvSpPr>
         <p:spPr>
           <a:xfrm>
-            <a:off x="269359" y="1495560"/>
-            <a:ext cx="8697432" cy="2677656"/>
+            <a:off x="1353879" y="1495560"/>
+            <a:ext cx="7612912" cy="2308324"/>
           </a:xfrm>
           <a:prstGeom prst="rect">
             <a:avLst/>
@@ -16075,11 +16075,11 @@
           <a:lstStyle/>
           <a:p>
             <a:pPr marL="457200" indent="-457200">
-              <a:buFont typeface="Arial" panose="020B0604020202020204" pitchFamily="34" charset="0"/>
-              <a:buChar char="•"/>
+              <a:buFont typeface="Wingdings" panose="05000000000000000000" pitchFamily="2" charset="2"/>
+              <a:buChar char="Ø"/>
             </a:pPr>
             <a:r>
-              <a:rPr lang="en-US" sz="2800" dirty="0" smtClean="0">
+              <a:rPr lang="en-US" sz="2400" dirty="0" smtClean="0">
                 <a:solidFill>
                   <a:schemeClr val="bg1"/>
                 </a:solidFill>
@@ -16089,11 +16089,11 @@
           </a:p>
           <a:p>
             <a:pPr marL="457200" indent="-457200">
-              <a:buFont typeface="Arial" panose="020B0604020202020204" pitchFamily="34" charset="0"/>
-              <a:buChar char="•"/>
+              <a:buFont typeface="Wingdings" panose="05000000000000000000" pitchFamily="2" charset="2"/>
+              <a:buChar char="Ø"/>
             </a:pPr>
             <a:r>
-              <a:rPr lang="en-US" sz="2800" dirty="0" smtClean="0">
+              <a:rPr lang="en-US" sz="2400" dirty="0" smtClean="0">
                 <a:solidFill>
                   <a:schemeClr val="bg1"/>
                 </a:solidFill>
@@ -16103,11 +16103,11 @@
           </a:p>
           <a:p>
             <a:pPr marL="457200" indent="-457200">
-              <a:buFont typeface="Arial" panose="020B0604020202020204" pitchFamily="34" charset="0"/>
-              <a:buChar char="•"/>
+              <a:buFont typeface="Wingdings" panose="05000000000000000000" pitchFamily="2" charset="2"/>
+              <a:buChar char="Ø"/>
             </a:pPr>
             <a:r>
-              <a:rPr lang="en-US" sz="2800" dirty="0" smtClean="0">
+              <a:rPr lang="en-US" sz="2400" dirty="0" smtClean="0">
                 <a:solidFill>
                   <a:schemeClr val="bg1"/>
                 </a:solidFill>
@@ -16117,11 +16117,11 @@
           </a:p>
           <a:p>
             <a:pPr marL="457200" indent="-457200">
-              <a:buFont typeface="Arial" panose="020B0604020202020204" pitchFamily="34" charset="0"/>
-              <a:buChar char="•"/>
+              <a:buFont typeface="Wingdings" panose="05000000000000000000" pitchFamily="2" charset="2"/>
+              <a:buChar char="Ø"/>
             </a:pPr>
             <a:r>
-              <a:rPr lang="en-US" sz="2800" dirty="0" smtClean="0">
+              <a:rPr lang="en-US" sz="2400" dirty="0" smtClean="0">
                 <a:solidFill>
                   <a:schemeClr val="bg1"/>
                 </a:solidFill>
@@ -16221,8 +16221,8 @@
         </p:nvSpPr>
         <p:spPr>
           <a:xfrm>
-            <a:off x="63795" y="1097000"/>
-            <a:ext cx="9080205" cy="3785652"/>
+            <a:off x="1651591" y="1097000"/>
+            <a:ext cx="7492409" cy="3785652"/>
           </a:xfrm>
           <a:prstGeom prst="rect">
             <a:avLst/>
@@ -16239,7 +16239,7 @@
               <a:buChar char="Ø"/>
             </a:pPr>
             <a:r>
-              <a:rPr lang="en-US" sz="3000" dirty="0" smtClean="0">
+              <a:rPr lang="en-US" sz="2400" dirty="0" smtClean="0">
                 <a:solidFill>
                   <a:schemeClr val="bg1">
                     <a:lumMod val="95000"/>
@@ -16271,7 +16271,7 @@
               <a:buChar char="Ø"/>
             </a:pPr>
             <a:r>
-              <a:rPr lang="en-US" sz="3000" dirty="0" smtClean="0">
+              <a:rPr lang="en-US" sz="2400" dirty="0" smtClean="0">
                 <a:solidFill>
                   <a:schemeClr val="bg1">
                     <a:lumMod val="95000"/>
@@ -16339,7 +16339,7 @@
               <a:buChar char="Ø"/>
             </a:pPr>
             <a:r>
-              <a:rPr lang="en-US" sz="3000" dirty="0" smtClean="0">
+              <a:rPr lang="en-US" sz="2400" dirty="0" smtClean="0">
                 <a:solidFill>
                   <a:schemeClr val="bg1">
                     <a:lumMod val="95000"/>
@@ -16349,7 +16349,7 @@
               <a:t>Authentication Methods</a:t>
             </a:r>
             <a:r>
-              <a:rPr lang="en-US" sz="3000" i="1" dirty="0" smtClean="0">
+              <a:rPr lang="en-US" sz="2400" i="1" dirty="0" smtClean="0">
                 <a:solidFill>
                   <a:schemeClr val="bg1">
                     <a:lumMod val="95000"/>
@@ -16392,7 +16392,7 @@
             </a:r>
           </a:p>
           <a:p>
-            <a:endParaRPr lang="en-US" sz="3000" i="1" dirty="0">
+            <a:endParaRPr lang="en-US" sz="2400" i="1" dirty="0">
               <a:solidFill>
                 <a:schemeClr val="bg1">
                   <a:lumMod val="95000"/>
@@ -16471,6 +16471,139 @@
             <a:endParaRPr lang="en-US" dirty="0">
               <a:solidFill>
                 <a:srgbClr val="00FFC5"/>
+              </a:solidFill>
+            </a:endParaRPr>
+          </a:p>
+        </p:txBody>
+      </p:sp>
+      <p:sp>
+        <p:nvSpPr>
+          <p:cNvPr id="4" name="Rectangle 3"/>
+          <p:cNvSpPr/>
+          <p:nvPr/>
+        </p:nvSpPr>
+        <p:spPr>
+          <a:xfrm>
+            <a:off x="1077433" y="1502735"/>
+            <a:ext cx="7336465" cy="2677656"/>
+          </a:xfrm>
+          <a:prstGeom prst="rect">
+            <a:avLst/>
+          </a:prstGeom>
+        </p:spPr>
+        <p:txBody>
+          <a:bodyPr wrap="square">
+            <a:spAutoFit/>
+          </a:bodyPr>
+          <a:lstStyle/>
+          <a:p>
+            <a:pPr marL="285750" indent="-285750">
+              <a:buFont typeface="Wingdings" panose="05000000000000000000" pitchFamily="2" charset="2"/>
+              <a:buChar char="Ø"/>
+            </a:pPr>
+            <a:r>
+              <a:rPr lang="en-US" sz="2400" dirty="0">
+                <a:solidFill>
+                  <a:schemeClr val="bg1"/>
+                </a:solidFill>
+              </a:rPr>
+              <a:t>Status </a:t>
+            </a:r>
+            <a:r>
+              <a:rPr lang="en-US" sz="2400" dirty="0" smtClean="0">
+                <a:solidFill>
+                  <a:schemeClr val="bg1"/>
+                </a:solidFill>
+              </a:rPr>
+              <a:t>line:</a:t>
+            </a:r>
+          </a:p>
+          <a:p>
+            <a:pPr marL="742950" lvl="1" indent="-285750">
+              <a:buFont typeface="Wingdings" panose="05000000000000000000" pitchFamily="2" charset="2"/>
+              <a:buChar char="§"/>
+            </a:pPr>
+            <a:r>
+              <a:rPr lang="en-US" sz="2400" dirty="0">
+                <a:solidFill>
+                  <a:schemeClr val="bg1"/>
+                </a:solidFill>
+              </a:rPr>
+              <a:t>200: Generic success response</a:t>
+            </a:r>
+          </a:p>
+          <a:p>
+            <a:pPr marL="742950" lvl="1" indent="-285750">
+              <a:buFont typeface="Wingdings" panose="05000000000000000000" pitchFamily="2" charset="2"/>
+              <a:buChar char="§"/>
+            </a:pPr>
+            <a:r>
+              <a:rPr lang="en-US" sz="2400" dirty="0">
+                <a:solidFill>
+                  <a:schemeClr val="bg1"/>
+                </a:solidFill>
+              </a:rPr>
+              <a:t>404: Resource not found</a:t>
+            </a:r>
+          </a:p>
+          <a:p>
+            <a:pPr marL="742950" lvl="1" indent="-285750">
+              <a:buFont typeface="Wingdings" panose="05000000000000000000" pitchFamily="2" charset="2"/>
+              <a:buChar char="§"/>
+            </a:pPr>
+            <a:r>
+              <a:rPr lang="en-US" sz="2400" dirty="0" smtClean="0">
+                <a:solidFill>
+                  <a:schemeClr val="bg1"/>
+                </a:solidFill>
+              </a:rPr>
+              <a:t>500: Server Error</a:t>
+            </a:r>
+          </a:p>
+          <a:p>
+            <a:pPr marL="285750" indent="-285750">
+              <a:buFont typeface="Wingdings" panose="05000000000000000000" pitchFamily="2" charset="2"/>
+              <a:buChar char="Ø"/>
+            </a:pPr>
+            <a:r>
+              <a:rPr lang="en-US" sz="2400" dirty="0">
+                <a:solidFill>
+                  <a:schemeClr val="bg1"/>
+                </a:solidFill>
+              </a:rPr>
+              <a:t>Message </a:t>
+            </a:r>
+            <a:r>
+              <a:rPr lang="en-US" sz="2400" dirty="0" smtClean="0">
+                <a:solidFill>
+                  <a:schemeClr val="bg1"/>
+                </a:solidFill>
+              </a:rPr>
+              <a:t>body:</a:t>
+            </a:r>
+          </a:p>
+          <a:p>
+            <a:pPr marL="800100" lvl="1" indent="-342900">
+              <a:buFont typeface="Wingdings" panose="05000000000000000000" pitchFamily="2" charset="2"/>
+              <a:buChar char="§"/>
+            </a:pPr>
+            <a:r>
+              <a:rPr lang="en-US" sz="2400" dirty="0" smtClean="0">
+                <a:solidFill>
+                  <a:schemeClr val="bg1"/>
+                </a:solidFill>
+              </a:rPr>
+              <a:t>JSON formats: using in flutter project</a:t>
+            </a:r>
+          </a:p>
+          <a:p>
+            <a:pPr marL="800100" lvl="1" indent="-342900">
+              <a:buFont typeface="Wingdings" panose="05000000000000000000" pitchFamily="2" charset="2"/>
+              <a:buChar char="§"/>
+            </a:pPr>
+            <a:endParaRPr lang="en-US" sz="2400" dirty="0">
+              <a:solidFill>
+                <a:schemeClr val="bg1"/>
               </a:solidFill>
             </a:endParaRPr>
           </a:p>
